--- a/Chapter3/Figures/Fig4.pptx
+++ b/Chapter3/Figures/Fig4.pptx
@@ -288,7 +288,7 @@
           <a:p>
             <a:fld id="{22F9149C-E7E1-4BAF-99D9-88C65FB39FC3}" type="datetimeFigureOut">
               <a:rPr lang="en-GB" smtClean="0"/>
-              <a:t>13/06/2014</a:t>
+              <a:t>13/07/2014</a:t>
             </a:fld>
             <a:endParaRPr lang="en-GB"/>
           </a:p>
@@ -458,7 +458,7 @@
           <a:p>
             <a:fld id="{22F9149C-E7E1-4BAF-99D9-88C65FB39FC3}" type="datetimeFigureOut">
               <a:rPr lang="en-GB" smtClean="0"/>
-              <a:t>13/06/2014</a:t>
+              <a:t>13/07/2014</a:t>
             </a:fld>
             <a:endParaRPr lang="en-GB"/>
           </a:p>
@@ -638,7 +638,7 @@
           <a:p>
             <a:fld id="{22F9149C-E7E1-4BAF-99D9-88C65FB39FC3}" type="datetimeFigureOut">
               <a:rPr lang="en-GB" smtClean="0"/>
-              <a:t>13/06/2014</a:t>
+              <a:t>13/07/2014</a:t>
             </a:fld>
             <a:endParaRPr lang="en-GB"/>
           </a:p>
@@ -808,7 +808,7 @@
           <a:p>
             <a:fld id="{22F9149C-E7E1-4BAF-99D9-88C65FB39FC3}" type="datetimeFigureOut">
               <a:rPr lang="en-GB" smtClean="0"/>
-              <a:t>13/06/2014</a:t>
+              <a:t>13/07/2014</a:t>
             </a:fld>
             <a:endParaRPr lang="en-GB"/>
           </a:p>
@@ -1054,7 +1054,7 @@
           <a:p>
             <a:fld id="{22F9149C-E7E1-4BAF-99D9-88C65FB39FC3}" type="datetimeFigureOut">
               <a:rPr lang="en-GB" smtClean="0"/>
-              <a:t>13/06/2014</a:t>
+              <a:t>13/07/2014</a:t>
             </a:fld>
             <a:endParaRPr lang="en-GB"/>
           </a:p>
@@ -1342,7 +1342,7 @@
           <a:p>
             <a:fld id="{22F9149C-E7E1-4BAF-99D9-88C65FB39FC3}" type="datetimeFigureOut">
               <a:rPr lang="en-GB" smtClean="0"/>
-              <a:t>13/06/2014</a:t>
+              <a:t>13/07/2014</a:t>
             </a:fld>
             <a:endParaRPr lang="en-GB"/>
           </a:p>
@@ -1764,7 +1764,7 @@
           <a:p>
             <a:fld id="{22F9149C-E7E1-4BAF-99D9-88C65FB39FC3}" type="datetimeFigureOut">
               <a:rPr lang="en-GB" smtClean="0"/>
-              <a:t>13/06/2014</a:t>
+              <a:t>13/07/2014</a:t>
             </a:fld>
             <a:endParaRPr lang="en-GB"/>
           </a:p>
@@ -1882,7 +1882,7 @@
           <a:p>
             <a:fld id="{22F9149C-E7E1-4BAF-99D9-88C65FB39FC3}" type="datetimeFigureOut">
               <a:rPr lang="en-GB" smtClean="0"/>
-              <a:t>13/06/2014</a:t>
+              <a:t>13/07/2014</a:t>
             </a:fld>
             <a:endParaRPr lang="en-GB"/>
           </a:p>
@@ -1977,7 +1977,7 @@
           <a:p>
             <a:fld id="{22F9149C-E7E1-4BAF-99D9-88C65FB39FC3}" type="datetimeFigureOut">
               <a:rPr lang="en-GB" smtClean="0"/>
-              <a:t>13/06/2014</a:t>
+              <a:t>13/07/2014</a:t>
             </a:fld>
             <a:endParaRPr lang="en-GB"/>
           </a:p>
@@ -2254,7 +2254,7 @@
           <a:p>
             <a:fld id="{22F9149C-E7E1-4BAF-99D9-88C65FB39FC3}" type="datetimeFigureOut">
               <a:rPr lang="en-GB" smtClean="0"/>
-              <a:t>13/06/2014</a:t>
+              <a:t>13/07/2014</a:t>
             </a:fld>
             <a:endParaRPr lang="en-GB"/>
           </a:p>
@@ -2507,7 +2507,7 @@
           <a:p>
             <a:fld id="{22F9149C-E7E1-4BAF-99D9-88C65FB39FC3}" type="datetimeFigureOut">
               <a:rPr lang="en-GB" smtClean="0"/>
-              <a:t>13/06/2014</a:t>
+              <a:t>13/07/2014</a:t>
             </a:fld>
             <a:endParaRPr lang="en-GB"/>
           </a:p>
@@ -2720,7 +2720,7 @@
           <a:p>
             <a:fld id="{22F9149C-E7E1-4BAF-99D9-88C65FB39FC3}" type="datetimeFigureOut">
               <a:rPr lang="en-GB" smtClean="0"/>
-              <a:t>13/06/2014</a:t>
+              <a:t>13/07/2014</a:t>
             </a:fld>
             <a:endParaRPr lang="en-GB"/>
           </a:p>
@@ -4703,6 +4703,120 @@
           </a:fontRef>
         </p:style>
       </p:cxnSp>
+      <p:sp>
+        <p:nvSpPr>
+          <p:cNvPr id="2" name="TextBox 1"/>
+          <p:cNvSpPr txBox="1"/>
+          <p:nvPr/>
+        </p:nvSpPr>
+        <p:spPr>
+          <a:xfrm>
+            <a:off x="2535367" y="4836914"/>
+            <a:ext cx="1640877" cy="630942"/>
+          </a:xfrm>
+          <a:prstGeom prst="rect">
+            <a:avLst/>
+          </a:prstGeom>
+          <a:noFill/>
+        </p:spPr>
+        <p:txBody>
+          <a:bodyPr wrap="square" rtlCol="0">
+            <a:spAutoFit/>
+          </a:bodyPr>
+          <a:lstStyle/>
+          <a:p>
+            <a:r>
+              <a:rPr lang="en-GB" sz="3500" dirty="0" smtClean="0">
+                <a:solidFill>
+                  <a:srgbClr val="0000FF"/>
+                </a:solidFill>
+              </a:rPr>
+              <a:t>Photon</a:t>
+            </a:r>
+            <a:endParaRPr lang="en-GB" sz="3500" dirty="0">
+              <a:solidFill>
+                <a:srgbClr val="0000FF"/>
+              </a:solidFill>
+            </a:endParaRPr>
+          </a:p>
+        </p:txBody>
+      </p:sp>
+      <p:sp>
+        <p:nvSpPr>
+          <p:cNvPr id="30" name="TextBox 29"/>
+          <p:cNvSpPr txBox="1"/>
+          <p:nvPr/>
+        </p:nvSpPr>
+        <p:spPr>
+          <a:xfrm>
+            <a:off x="7068398" y="4836914"/>
+            <a:ext cx="1640877" cy="630942"/>
+          </a:xfrm>
+          <a:prstGeom prst="rect">
+            <a:avLst/>
+          </a:prstGeom>
+          <a:noFill/>
+        </p:spPr>
+        <p:txBody>
+          <a:bodyPr wrap="square" rtlCol="0">
+            <a:spAutoFit/>
+          </a:bodyPr>
+          <a:lstStyle/>
+          <a:p>
+            <a:r>
+              <a:rPr lang="en-GB" sz="3500" dirty="0" smtClean="0">
+                <a:solidFill>
+                  <a:srgbClr val="0000FF"/>
+                </a:solidFill>
+              </a:rPr>
+              <a:t>Photon</a:t>
+            </a:r>
+            <a:endParaRPr lang="en-GB" sz="3500" dirty="0">
+              <a:solidFill>
+                <a:srgbClr val="0000FF"/>
+              </a:solidFill>
+            </a:endParaRPr>
+          </a:p>
+        </p:txBody>
+      </p:sp>
+      <p:sp>
+        <p:nvSpPr>
+          <p:cNvPr id="3" name="TextBox 2"/>
+          <p:cNvSpPr txBox="1"/>
+          <p:nvPr/>
+        </p:nvSpPr>
+        <p:spPr>
+          <a:xfrm>
+            <a:off x="5993117" y="5975078"/>
+            <a:ext cx="947411" cy="630942"/>
+          </a:xfrm>
+          <a:prstGeom prst="rect">
+            <a:avLst/>
+          </a:prstGeom>
+          <a:noFill/>
+        </p:spPr>
+        <p:txBody>
+          <a:bodyPr wrap="square" rtlCol="0">
+            <a:spAutoFit/>
+          </a:bodyPr>
+          <a:lstStyle/>
+          <a:p>
+            <a:r>
+              <a:rPr lang="en-GB" sz="3500" dirty="0" smtClean="0">
+                <a:solidFill>
+                  <a:srgbClr val="FF0000"/>
+                </a:solidFill>
+              </a:rPr>
+              <a:t>SPP</a:t>
+            </a:r>
+            <a:endParaRPr lang="en-GB" sz="3500" dirty="0">
+              <a:solidFill>
+                <a:srgbClr val="FF0000"/>
+              </a:solidFill>
+            </a:endParaRPr>
+          </a:p>
+        </p:txBody>
+      </p:sp>
     </p:spTree>
     <p:extLst>
       <p:ext uri="{BB962C8B-B14F-4D97-AF65-F5344CB8AC3E}">
